--- a/AcademyClass/UI/PPT_JavaScript/12-HTTP 통신.pptx
+++ b/AcademyClass/UI/PPT_JavaScript/12-HTTP 통신.pptx
@@ -255,7 +255,7 @@
           <a:p>
             <a:fld id="{BEBC7494-3803-4311-B258-1B0CE6E5D14C}" type="datetimeFigureOut">
               <a:rPr lang="ko-KR" altLang="en-US" smtClean="0"/>
-              <a:t>2022-12-06</a:t>
+              <a:t>2024-03-25</a:t>
             </a:fld>
             <a:endParaRPr lang="ko-KR" altLang="en-US"/>
           </a:p>
@@ -669,7 +669,7 @@
           <a:p>
             <a:fld id="{2262B9CB-7EE2-4110-A9C4-52DF80078EED}" type="datetimeFigureOut">
               <a:rPr lang="ko-KR" altLang="en-US" smtClean="0"/>
-              <a:t>2022-12-06</a:t>
+              <a:t>2024-03-25</a:t>
             </a:fld>
             <a:endParaRPr lang="ko-KR" altLang="en-US"/>
           </a:p>
@@ -872,7 +872,7 @@
           <a:p>
             <a:fld id="{2262B9CB-7EE2-4110-A9C4-52DF80078EED}" type="datetimeFigureOut">
               <a:rPr lang="ko-KR" altLang="en-US" smtClean="0"/>
-              <a:t>2022-12-06</a:t>
+              <a:t>2024-03-25</a:t>
             </a:fld>
             <a:endParaRPr lang="ko-KR" altLang="en-US"/>
           </a:p>
@@ -1080,7 +1080,7 @@
           <a:p>
             <a:fld id="{2262B9CB-7EE2-4110-A9C4-52DF80078EED}" type="datetimeFigureOut">
               <a:rPr lang="ko-KR" altLang="en-US" smtClean="0"/>
-              <a:t>2022-12-06</a:t>
+              <a:t>2024-03-25</a:t>
             </a:fld>
             <a:endParaRPr lang="ko-KR" altLang="en-US"/>
           </a:p>
@@ -1278,7 +1278,7 @@
           <a:p>
             <a:fld id="{2262B9CB-7EE2-4110-A9C4-52DF80078EED}" type="datetimeFigureOut">
               <a:rPr lang="ko-KR" altLang="en-US" smtClean="0"/>
-              <a:t>2022-12-06</a:t>
+              <a:t>2024-03-25</a:t>
             </a:fld>
             <a:endParaRPr lang="ko-KR" altLang="en-US"/>
           </a:p>
@@ -1428,7 +1428,7 @@
           <a:p>
             <a:fld id="{2262B9CB-7EE2-4110-A9C4-52DF80078EED}" type="datetimeFigureOut">
               <a:rPr lang="ko-KR" altLang="en-US" smtClean="0"/>
-              <a:t>2022-12-06</a:t>
+              <a:t>2024-03-25</a:t>
             </a:fld>
             <a:endParaRPr lang="ko-KR" altLang="en-US"/>
           </a:p>
@@ -1771,7 +1771,7 @@
           <a:p>
             <a:fld id="{2262B9CB-7EE2-4110-A9C4-52DF80078EED}" type="datetimeFigureOut">
               <a:rPr lang="ko-KR" altLang="en-US" smtClean="0"/>
-              <a:t>2022-12-06</a:t>
+              <a:t>2024-03-25</a:t>
             </a:fld>
             <a:endParaRPr lang="ko-KR" altLang="en-US"/>
           </a:p>
@@ -2183,7 +2183,7 @@
           <a:p>
             <a:fld id="{2262B9CB-7EE2-4110-A9C4-52DF80078EED}" type="datetimeFigureOut">
               <a:rPr lang="ko-KR" altLang="en-US" smtClean="0"/>
-              <a:t>2022-12-06</a:t>
+              <a:t>2024-03-25</a:t>
             </a:fld>
             <a:endParaRPr lang="ko-KR" altLang="en-US"/>
           </a:p>
@@ -2330,7 +2330,7 @@
           <a:p>
             <a:fld id="{2262B9CB-7EE2-4110-A9C4-52DF80078EED}" type="datetimeFigureOut">
               <a:rPr lang="ko-KR" altLang="en-US" smtClean="0"/>
-              <a:t>2022-12-06</a:t>
+              <a:t>2024-03-25</a:t>
             </a:fld>
             <a:endParaRPr lang="ko-KR" altLang="en-US"/>
           </a:p>
@@ -2443,7 +2443,7 @@
           <a:p>
             <a:fld id="{2262B9CB-7EE2-4110-A9C4-52DF80078EED}" type="datetimeFigureOut">
               <a:rPr lang="ko-KR" altLang="en-US" smtClean="0"/>
-              <a:t>2022-12-06</a:t>
+              <a:t>2024-03-25</a:t>
             </a:fld>
             <a:endParaRPr lang="ko-KR" altLang="en-US"/>
           </a:p>
@@ -2754,7 +2754,7 @@
           <a:p>
             <a:fld id="{2262B9CB-7EE2-4110-A9C4-52DF80078EED}" type="datetimeFigureOut">
               <a:rPr lang="ko-KR" altLang="en-US" smtClean="0"/>
-              <a:t>2022-12-06</a:t>
+              <a:t>2024-03-25</a:t>
             </a:fld>
             <a:endParaRPr lang="ko-KR" altLang="en-US"/>
           </a:p>
@@ -3045,7 +3045,7 @@
           <a:p>
             <a:fld id="{2262B9CB-7EE2-4110-A9C4-52DF80078EED}" type="datetimeFigureOut">
               <a:rPr lang="ko-KR" altLang="en-US" smtClean="0"/>
-              <a:t>2022-12-06</a:t>
+              <a:t>2024-03-25</a:t>
             </a:fld>
             <a:endParaRPr lang="ko-KR" altLang="en-US"/>
           </a:p>
@@ -3286,7 +3286,7 @@
           <a:p>
             <a:fld id="{2262B9CB-7EE2-4110-A9C4-52DF80078EED}" type="datetimeFigureOut">
               <a:rPr lang="ko-KR" altLang="en-US" smtClean="0"/>
-              <a:t>2022-12-06</a:t>
+              <a:t>2024-03-25</a:t>
             </a:fld>
             <a:endParaRPr lang="ko-KR" altLang="en-US"/>
           </a:p>
@@ -3751,6 +3751,13 @@
   <p:clrMapOvr>
     <a:masterClrMapping/>
   </p:clrMapOvr>
+  <p:timing>
+    <p:tnLst>
+      <p:par>
+        <p:cTn id="1" dur="indefinite" restart="never" nodeType="tmRoot"/>
+      </p:par>
+    </p:tnLst>
+  </p:timing>
 </p:sld>
 </file>
 
@@ -4554,6 +4561,17 @@
               </a:rPr>
               <a:t>를 검색한다면 웹 브라우저에서 서버로 보내는 요청 헤더에 </a:t>
             </a:r>
+            <a:r>
+              <a:rPr lang="en-US" altLang="ko-KR" sz="1400" kern="0" dirty="0">
+                <a:solidFill>
+                  <a:schemeClr val="accent1"/>
+                </a:solidFill>
+                <a:effectLst/>
+                <a:ea typeface="맑은 고딕" panose="020B0503020000020004" pitchFamily="50" charset="-127"/>
+                <a:cs typeface="맑은 고딕" panose="020B0503020000020004" pitchFamily="50" charset="-127"/>
+              </a:rPr>
+              <a:t/>
+            </a:r>
             <a:br>
               <a:rPr lang="en-US" altLang="ko-KR" sz="1400" kern="0" dirty="0">
                 <a:solidFill>
@@ -4680,7 +4698,7 @@
             <a:tailEnd type="none" w="med" len="med"/>
             <a:extLst>
               <a:ext uri="{C807C97D-BFC1-408E-A445-0C87EB9F89A2}">
-                <ask:lineSketchStyleProps xmlns:ask="http://schemas.microsoft.com/office/drawing/2018/sketchyshapes" sd="0">
+                <ask:lineSketchStyleProps xmlns:ask="http://schemas.microsoft.com/office/drawing/2018/sketchyshapes" xmlns="" sd="0">
                   <a:custGeom>
                     <a:avLst/>
                     <a:gdLst/>
@@ -5003,6 +5021,18 @@
                 <a:cs typeface="맑은 고딕" panose="020B0503020000020004" pitchFamily="50" charset="-127"/>
               </a:rPr>
               <a:t>버튼을 클릭하면 </a:t>
+            </a:r>
+            <a:r>
+              <a:rPr lang="en-US" altLang="ko-KR" sz="1400" dirty="0">
+                <a:solidFill>
+                  <a:schemeClr val="accent1"/>
+                </a:solidFill>
+                <a:effectLst/>
+                <a:latin typeface="맑은 고딕" panose="020B0503020000020004" pitchFamily="50" charset="-127"/>
+                <a:ea typeface="맑은 고딕" panose="020B0503020000020004" pitchFamily="50" charset="-127"/>
+                <a:cs typeface="맑은 고딕" panose="020B0503020000020004" pitchFamily="50" charset="-127"/>
+              </a:rPr>
+              <a:t/>
             </a:r>
             <a:br>
               <a:rPr lang="en-US" altLang="ko-KR" sz="1400" dirty="0">
@@ -5447,7 +5477,7 @@
             <a:tailEnd type="none" w="med" len="med"/>
             <a:extLst>
               <a:ext uri="{C807C97D-BFC1-408E-A445-0C87EB9F89A2}">
-                <ask:lineSketchStyleProps xmlns:ask="http://schemas.microsoft.com/office/drawing/2018/sketchyshapes" sd="0">
+                <ask:lineSketchStyleProps xmlns:ask="http://schemas.microsoft.com/office/drawing/2018/sketchyshapes" xmlns="" sd="0">
                   <a:custGeom>
                     <a:avLst/>
                     <a:gdLst/>
@@ -7492,7 +7522,7 @@
             <a:tailEnd type="none" w="med" len="med"/>
             <a:extLst>
               <a:ext uri="{C807C97D-BFC1-408E-A445-0C87EB9F89A2}">
-                <ask:lineSketchStyleProps xmlns:ask="http://schemas.microsoft.com/office/drawing/2018/sketchyshapes" sd="0">
+                <ask:lineSketchStyleProps xmlns:ask="http://schemas.microsoft.com/office/drawing/2018/sketchyshapes" xmlns="" sd="0">
                   <a:custGeom>
                     <a:avLst/>
                     <a:gdLst/>
@@ -8871,6 +8901,13 @@
   <p:clrMapOvr>
     <a:masterClrMapping/>
   </p:clrMapOvr>
+  <p:timing>
+    <p:tnLst>
+      <p:par>
+        <p:cTn id="1" dur="indefinite" restart="never" nodeType="tmRoot"/>
+      </p:par>
+    </p:tnLst>
+  </p:timing>
 </p:sld>
 </file>
 
@@ -11657,7 +11694,7 @@
             <a:tailEnd type="none" w="med" len="med"/>
             <a:extLst>
               <a:ext uri="{C807C97D-BFC1-408E-A445-0C87EB9F89A2}">
-                <ask:lineSketchStyleProps xmlns:ask="http://schemas.microsoft.com/office/drawing/2018/sketchyshapes" sd="0">
+                <ask:lineSketchStyleProps xmlns:ask="http://schemas.microsoft.com/office/drawing/2018/sketchyshapes" xmlns="" sd="0">
                   <a:custGeom>
                     <a:avLst/>
                     <a:gdLst/>
@@ -14253,6 +14290,14 @@
   <p:clrMapOvr>
     <a:masterClrMapping/>
   </p:clrMapOvr>
+  <mc:AlternateContent xmlns:mc="http://schemas.openxmlformats.org/markup-compatibility/2006">
+    <mc:Choice xmlns:p14="http://schemas.microsoft.com/office/powerpoint/2010/main" Requires="p14">
+      <p:transition spd="slow" p14:dur="2000"/>
+    </mc:Choice>
+    <mc:Fallback>
+      <p:transition spd="slow"/>
+    </mc:Fallback>
+  </mc:AlternateContent>
 </p:sld>
 </file>
 
@@ -14352,6 +14397,15 @@
                 <a:cs typeface="맑은 고딕" panose="020B0503020000020004" pitchFamily="50" charset="-127"/>
               </a:rPr>
               <a:t>웹 브라우저에서 서버로 데이터를 요청하고 서버에서 자료를 받아올 때는 </a:t>
+            </a:r>
+            <a:r>
+              <a:rPr lang="en-US" altLang="ko-KR" sz="1600" dirty="0">
+                <a:effectLst/>
+                <a:latin typeface="맑은 고딕" panose="020B0503020000020004" pitchFamily="50" charset="-127"/>
+                <a:ea typeface="맑은 고딕" panose="020B0503020000020004" pitchFamily="50" charset="-127"/>
+                <a:cs typeface="맑은 고딕" panose="020B0503020000020004" pitchFamily="50" charset="-127"/>
+              </a:rPr>
+              <a:t/>
             </a:r>
             <a:br>
               <a:rPr lang="en-US" altLang="ko-KR" sz="1600" dirty="0">
@@ -16553,6 +16607,15 @@
               </a:rPr>
               <a:t>동기</a:t>
             </a:r>
+            <a:r>
+              <a:rPr lang="en-US" altLang="ko-KR" sz="1600" dirty="0">
+                <a:effectLst/>
+                <a:latin typeface="맑은 고딕" panose="020B0503020000020004" pitchFamily="50" charset="-127"/>
+                <a:ea typeface="맑은 고딕" panose="020B0503020000020004" pitchFamily="50" charset="-127"/>
+                <a:cs typeface="맑은 고딕" panose="020B0503020000020004" pitchFamily="50" charset="-127"/>
+              </a:rPr>
+              <a:t/>
+            </a:r>
             <a:br>
               <a:rPr lang="en-US" altLang="ko-KR" sz="1600" dirty="0">
                 <a:effectLst/>
@@ -18454,7 +18517,7 @@
             <a:tailEnd type="none" w="med" len="med"/>
             <a:extLst>
               <a:ext uri="{C807C97D-BFC1-408E-A445-0C87EB9F89A2}">
-                <ask:lineSketchStyleProps xmlns:ask="http://schemas.microsoft.com/office/drawing/2018/sketchyshapes" sd="0">
+                <ask:lineSketchStyleProps xmlns:ask="http://schemas.microsoft.com/office/drawing/2018/sketchyshapes" xmlns="" sd="0">
                   <a:custGeom>
                     <a:avLst/>
                     <a:gdLst/>
@@ -19328,7 +19391,7 @@
             <a:tailEnd type="none" w="med" len="med"/>
             <a:extLst>
               <a:ext uri="{C807C97D-BFC1-408E-A445-0C87EB9F89A2}">
-                <ask:lineSketchStyleProps xmlns:ask="http://schemas.microsoft.com/office/drawing/2018/sketchyshapes" sd="0">
+                <ask:lineSketchStyleProps xmlns:ask="http://schemas.microsoft.com/office/drawing/2018/sketchyshapes" xmlns="" sd="0">
                   <a:custGeom>
                     <a:avLst/>
                     <a:gdLst/>
@@ -22027,6 +22090,10 @@
               <a:rPr lang="ko-KR" altLang="ko-KR" sz="1400" dirty="0"/>
               <a:t>프로토콜을 사용할 것을 권장하고 있고</a:t>
             </a:r>
+            <a:r>
+              <a:rPr lang="en-US" altLang="ko-KR" sz="1400" dirty="0"/>
+              <a:t/>
+            </a:r>
             <a:br>
               <a:rPr lang="en-US" altLang="ko-KR" sz="1400" dirty="0"/>
             </a:br>
@@ -23139,7 +23206,7 @@
         </p:blipFill>
         <p:spPr bwMode="auto">
           <a:xfrm>
-            <a:off x="888274" y="4299553"/>
+            <a:off x="888274" y="4594390"/>
             <a:ext cx="4817655" cy="2263610"/>
           </a:xfrm>
           <a:prstGeom prst="rect">
@@ -23157,7 +23224,7 @@
             <a:tailEnd type="none" w="med" len="med"/>
             <a:extLst>
               <a:ext uri="{C807C97D-BFC1-408E-A445-0C87EB9F89A2}">
-                <ask:lineSketchStyleProps xmlns:ask="http://schemas.microsoft.com/office/drawing/2018/sketchyshapes" sd="0">
+                <ask:lineSketchStyleProps xmlns:ask="http://schemas.microsoft.com/office/drawing/2018/sketchyshapes" xmlns="" sd="0">
                   <a:custGeom>
                     <a:avLst/>
                     <a:gdLst/>
@@ -25723,6 +25790,10 @@
               <a:rPr lang="ko-KR" altLang="en-US" sz="1600" dirty="0"/>
               <a:t>문법적인 실수로 발생하는 오류</a:t>
             </a:r>
+            <a:r>
+              <a:rPr lang="en-US" altLang="ko-KR" sz="1600" dirty="0"/>
+              <a:t/>
+            </a:r>
             <a:br>
               <a:rPr lang="en-US" altLang="ko-KR" sz="1600" dirty="0"/>
             </a:br>
@@ -25811,6 +25882,10 @@
                 <a:sym typeface="Wingdings" panose="05000000000000000000" pitchFamily="2" charset="2"/>
               </a:rPr>
               <a:t>)</a:t>
+            </a:r>
+            <a:r>
+              <a:rPr lang="en-US" altLang="ko-KR" sz="1600" dirty="0"/>
+              <a:t/>
             </a:r>
             <a:br>
               <a:rPr lang="en-US" altLang="ko-KR" sz="1600" dirty="0"/>
